--- a/docs/Software BOM_V.2.pptx
+++ b/docs/Software BOM_V.2.pptx
@@ -12,11 +12,12 @@
     <p:sldId id="301" r:id="rId6"/>
     <p:sldId id="300" r:id="rId7"/>
     <p:sldId id="302" r:id="rId8"/>
-    <p:sldId id="293" r:id="rId9"/>
-    <p:sldId id="304" r:id="rId10"/>
-    <p:sldId id="305" r:id="rId11"/>
-    <p:sldId id="296" r:id="rId12"/>
-    <p:sldId id="297" r:id="rId13"/>
+    <p:sldId id="306" r:id="rId9"/>
+    <p:sldId id="293" r:id="rId10"/>
+    <p:sldId id="304" r:id="rId11"/>
+    <p:sldId id="305" r:id="rId12"/>
+    <p:sldId id="296" r:id="rId13"/>
+    <p:sldId id="297" r:id="rId14"/>
   </p:sldIdLst>
   <p:sldSz cx="12192000" cy="6858000"/>
   <p:notesSz cx="6858000" cy="9144000"/>
@@ -851,6 +852,255 @@
                   <a:srgbClr val="00B050"/>
                 </a:solidFill>
               </a:rPr>
+              <a:t>Importing a BOM</a:t>
+            </a:r>
+          </a:p>
+        </p:txBody>
+      </p:sp>
+      <p:pic>
+        <p:nvPicPr>
+          <p:cNvPr id="3" name="Picture 2">
+            <a:extLst>
+              <a:ext uri="{FF2B5EF4-FFF2-40B4-BE49-F238E27FC236}">
+                <a16:creationId xmlns:a16="http://schemas.microsoft.com/office/drawing/2014/main" id="{6F093934-D9F2-46AD-9936-E3281D5EB7D6}"/>
+              </a:ext>
+            </a:extLst>
+          </p:cNvPr>
+          <p:cNvPicPr>
+            <a:picLocks noChangeAspect="1"/>
+          </p:cNvPicPr>
+          <p:nvPr/>
+        </p:nvPicPr>
+        <p:blipFill>
+          <a:blip r:embed="rId2"/>
+          <a:stretch>
+            <a:fillRect/>
+          </a:stretch>
+        </p:blipFill>
+        <p:spPr>
+          <a:xfrm>
+            <a:off x="338665" y="1859151"/>
+            <a:ext cx="10719963" cy="4248363"/>
+          </a:xfrm>
+          <a:prstGeom prst="rect">
+            <a:avLst/>
+          </a:prstGeom>
+        </p:spPr>
+      </p:pic>
+      <p:sp>
+        <p:nvSpPr>
+          <p:cNvPr id="7" name="TextBox 6">
+            <a:extLst>
+              <a:ext uri="{FF2B5EF4-FFF2-40B4-BE49-F238E27FC236}">
+                <a16:creationId xmlns:a16="http://schemas.microsoft.com/office/drawing/2014/main" id="{7D70983A-FB46-4616-90F4-FCF0B28E7E45}"/>
+              </a:ext>
+            </a:extLst>
+          </p:cNvPr>
+          <p:cNvSpPr txBox="1"/>
+          <p:nvPr/>
+        </p:nvSpPr>
+        <p:spPr>
+          <a:xfrm>
+            <a:off x="466928" y="941364"/>
+            <a:ext cx="8571064" cy="369332"/>
+          </a:xfrm>
+          <a:prstGeom prst="rect">
+            <a:avLst/>
+          </a:prstGeom>
+          <a:noFill/>
+        </p:spPr>
+        <p:txBody>
+          <a:bodyPr wrap="none" rtlCol="0">
+            <a:spAutoFit/>
+          </a:bodyPr>
+          <a:lstStyle/>
+          <a:p>
+            <a:r>
+              <a:rPr lang="en-US" dirty="0"/>
+              <a:t>Only admins can login.  See the users in “users” table. Use the password “12345” to login. </a:t>
+            </a:r>
+          </a:p>
+        </p:txBody>
+      </p:sp>
+      <p:sp>
+        <p:nvSpPr>
+          <p:cNvPr id="8" name="TextBox 7">
+            <a:extLst>
+              <a:ext uri="{FF2B5EF4-FFF2-40B4-BE49-F238E27FC236}">
+                <a16:creationId xmlns:a16="http://schemas.microsoft.com/office/drawing/2014/main" id="{D9E47888-C8CE-4AC8-8CC6-D8C5DFA40833}"/>
+              </a:ext>
+            </a:extLst>
+          </p:cNvPr>
+          <p:cNvSpPr txBox="1"/>
+          <p:nvPr/>
+        </p:nvSpPr>
+        <p:spPr>
+          <a:xfrm>
+            <a:off x="2234120" y="4747794"/>
+            <a:ext cx="9619215" cy="1754326"/>
+          </a:xfrm>
+          <a:prstGeom prst="rect">
+            <a:avLst/>
+          </a:prstGeom>
+          <a:noFill/>
+        </p:spPr>
+        <p:txBody>
+          <a:bodyPr wrap="square" rtlCol="0">
+            <a:spAutoFit/>
+          </a:bodyPr>
+          <a:lstStyle/>
+          <a:p>
+            <a:r>
+              <a:rPr lang="en-US" dirty="0"/>
+              <a:t>I added another “Import BOM” button to support the new schema </a:t>
+            </a:r>
+          </a:p>
+          <a:p>
+            <a:r>
+              <a:rPr lang="en-US" dirty="0"/>
+              <a:t>and to support “cumulative” BOM import. It points to the file “admin_import_bom_2.php”. This is the file you would be fixing/enhancing.</a:t>
+            </a:r>
+          </a:p>
+          <a:p>
+            <a:endParaRPr lang="en-US" dirty="0"/>
+          </a:p>
+          <a:p>
+            <a:r>
+              <a:rPr lang="en-US" dirty="0"/>
+              <a:t>I left the V.1.0 “Import BOM” for reference purposes. It points to the file “</a:t>
+            </a:r>
+            <a:r>
+              <a:rPr lang="en-US" dirty="0" err="1"/>
+              <a:t>admin_import_bom.php</a:t>
+            </a:r>
+            <a:r>
+              <a:rPr lang="en-US" dirty="0"/>
+              <a:t>”</a:t>
+            </a:r>
+          </a:p>
+          <a:p>
+            <a:endParaRPr lang="en-US" dirty="0"/>
+          </a:p>
+        </p:txBody>
+      </p:sp>
+    </p:spTree>
+    <p:extLst>
+      <p:ext uri="{BB962C8B-B14F-4D97-AF65-F5344CB8AC3E}">
+        <p14:creationId xmlns:p14="http://schemas.microsoft.com/office/powerpoint/2010/main" val="2288946643"/>
+      </p:ext>
+    </p:extLst>
+  </p:cSld>
+  <p:clrMapOvr>
+    <a:masterClrMapping/>
+  </p:clrMapOvr>
+</p:sld>
+</file>
+
+<file path=ppt/slides/slide11.xml><?xml version="1.0" encoding="utf-8"?>
+<p:sld xmlns:a="http://schemas.openxmlformats.org/drawingml/2006/main" xmlns:r="http://schemas.openxmlformats.org/officeDocument/2006/relationships" xmlns:p="http://schemas.openxmlformats.org/presentationml/2006/main">
+  <p:cSld>
+    <p:spTree>
+      <p:nvGrpSpPr>
+        <p:cNvPr id="1" name=""/>
+        <p:cNvGrpSpPr/>
+        <p:nvPr/>
+      </p:nvGrpSpPr>
+      <p:grpSpPr>
+        <a:xfrm>
+          <a:off x="0" y="0"/>
+          <a:ext cx="0" cy="0"/>
+          <a:chOff x="0" y="0"/>
+          <a:chExt cx="0" cy="0"/>
+        </a:xfrm>
+      </p:grpSpPr>
+      <p:sp>
+        <p:nvSpPr>
+          <p:cNvPr id="4" name="Title Placeholder 1">
+            <a:extLst>
+              <a:ext uri="{FF2B5EF4-FFF2-40B4-BE49-F238E27FC236}">
+                <a16:creationId xmlns:a16="http://schemas.microsoft.com/office/drawing/2014/main" id="{654C5544-8990-440B-994C-5C56CA5F4814}"/>
+              </a:ext>
+            </a:extLst>
+          </p:cNvPr>
+          <p:cNvSpPr txBox="1">
+            <a:spLocks/>
+          </p:cNvSpPr>
+          <p:nvPr/>
+        </p:nvSpPr>
+        <p:spPr>
+          <a:xfrm>
+            <a:off x="97194" y="6344817"/>
+            <a:ext cx="12094806" cy="513183"/>
+          </a:xfrm>
+          <a:prstGeom prst="rect">
+            <a:avLst/>
+          </a:prstGeom>
+        </p:spPr>
+        <p:txBody>
+          <a:bodyPr vert="horz" lIns="91440" tIns="45720" rIns="91440" bIns="45720" rtlCol="0" anchor="ctr">
+            <a:normAutofit fontScale="92500"/>
+          </a:bodyPr>
+          <a:lstStyle>
+            <a:lvl1pPr algn="ctr" defTabSz="914400" rtl="0" eaLnBrk="1" latinLnBrk="0" hangingPunct="1">
+              <a:lnSpc>
+                <a:spcPct val="90000"/>
+              </a:lnSpc>
+              <a:spcBef>
+                <a:spcPct val="0"/>
+              </a:spcBef>
+              <a:buNone/>
+              <a:defRPr sz="1800" kern="1200">
+                <a:solidFill>
+                  <a:schemeClr val="tx1"/>
+                </a:solidFill>
+                <a:latin typeface="+mj-lt"/>
+                <a:ea typeface="+mj-ea"/>
+                <a:cs typeface="+mj-cs"/>
+              </a:defRPr>
+            </a:lvl1pPr>
+          </a:lstStyle>
+          <a:p>
+            <a:r>
+              <a:rPr lang="en-US" dirty="0"/>
+              <a:t>Siva.Jasthi@metrostate.edu                                  Software BOM Management                                                               ICS 499 Summer 2022</a:t>
+            </a:r>
+          </a:p>
+        </p:txBody>
+      </p:sp>
+      <p:sp>
+        <p:nvSpPr>
+          <p:cNvPr id="6" name="TextBox 5">
+            <a:extLst>
+              <a:ext uri="{FF2B5EF4-FFF2-40B4-BE49-F238E27FC236}">
+                <a16:creationId xmlns:a16="http://schemas.microsoft.com/office/drawing/2014/main" id="{4BACBC6E-5C3D-4F07-8F60-0EB8C154541A}"/>
+              </a:ext>
+            </a:extLst>
+          </p:cNvPr>
+          <p:cNvSpPr txBox="1"/>
+          <p:nvPr/>
+        </p:nvSpPr>
+        <p:spPr>
+          <a:xfrm>
+            <a:off x="338665" y="101355"/>
+            <a:ext cx="11290117" cy="584775"/>
+          </a:xfrm>
+          <a:prstGeom prst="rect">
+            <a:avLst/>
+          </a:prstGeom>
+          <a:noFill/>
+        </p:spPr>
+        <p:txBody>
+          <a:bodyPr wrap="square">
+            <a:spAutoFit/>
+          </a:bodyPr>
+          <a:lstStyle/>
+          <a:p>
+            <a:r>
+              <a:rPr lang="en-US" sz="3200" b="1" dirty="0">
+                <a:solidFill>
+                  <a:srgbClr val="00B050"/>
+                </a:solidFill>
+              </a:rPr>
               <a:t>Importing a BOM: Considerations</a:t>
             </a:r>
           </a:p>
@@ -1072,7 +1322,7 @@
 </p:sld>
 </file>
 
-<file path=ppt/slides/slide11.xml><?xml version="1.0" encoding="utf-8"?>
+<file path=ppt/slides/slide12.xml><?xml version="1.0" encoding="utf-8"?>
 <p:sld xmlns:a="http://schemas.openxmlformats.org/drawingml/2006/main" xmlns:r="http://schemas.openxmlformats.org/officeDocument/2006/relationships" xmlns:p="http://schemas.openxmlformats.org/presentationml/2006/main">
   <p:cSld>
     <p:spTree>
@@ -1848,7 +2098,7 @@
 </p:sld>
 </file>
 
-<file path=ppt/slides/slide12.xml><?xml version="1.0" encoding="utf-8"?>
+<file path=ppt/slides/slide13.xml><?xml version="1.0" encoding="utf-8"?>
 <p:sld xmlns:a="http://schemas.openxmlformats.org/drawingml/2006/main" xmlns:r="http://schemas.openxmlformats.org/officeDocument/2006/relationships" xmlns:p="http://schemas.openxmlformats.org/presentationml/2006/main">
   <p:cSld>
     <p:spTree>
@@ -2440,7 +2690,7 @@
         </p:blipFill>
         <p:spPr>
           <a:xfrm>
-            <a:off x="246109" y="1234181"/>
+            <a:off x="344772" y="1352743"/>
             <a:ext cx="5799825" cy="4873512"/>
           </a:xfrm>
           <a:prstGeom prst="rect">
@@ -3712,7 +3962,7 @@
                   <a:srgbClr val="00B050"/>
                 </a:solidFill>
               </a:rPr>
-              <a:t>sbom</a:t>
+              <a:t>apps_components</a:t>
             </a:r>
             <a:r>
               <a:rPr lang="en-US" sz="3200" b="1" dirty="0">
@@ -3903,10 +4153,10 @@
       </p:sp>
       <p:sp>
         <p:nvSpPr>
-          <p:cNvPr id="5" name="TextBox 4">
-            <a:extLst>
-              <a:ext uri="{FF2B5EF4-FFF2-40B4-BE49-F238E27FC236}">
-                <a16:creationId xmlns:a16="http://schemas.microsoft.com/office/drawing/2014/main" id="{C7077660-74C0-4DBB-8DC2-279AFAEC97A8}"/>
+          <p:cNvPr id="8" name="TextBox 7">
+            <a:extLst>
+              <a:ext uri="{FF2B5EF4-FFF2-40B4-BE49-F238E27FC236}">
+                <a16:creationId xmlns:a16="http://schemas.microsoft.com/office/drawing/2014/main" id="{2BCCA776-FF84-470C-8EE1-82A0D850B407}"/>
               </a:ext>
             </a:extLst>
           </p:cNvPr>
@@ -3915,8 +4165,8 @@
         </p:nvSpPr>
         <p:spPr>
           <a:xfrm>
-            <a:off x="338665" y="914256"/>
-            <a:ext cx="11064449" cy="3416320"/>
+            <a:off x="97194" y="113073"/>
+            <a:ext cx="6097656" cy="1569660"/>
           </a:xfrm>
           <a:prstGeom prst="rect">
             <a:avLst/>
@@ -3930,96 +4180,107 @@
           <a:lstStyle/>
           <a:p>
             <a:r>
-              <a:rPr lang="en-US" dirty="0"/>
-              <a:t>[1] Visualize the BOM as a flat list; Support filtering, sorting, searching, pagination, export (csv, excel, pdf) options using JQUERY Data table. Support filtering by the User BOMs, System BOMs, All BOMs.</a:t>
-            </a:r>
-          </a:p>
-          <a:p>
-            <a:r>
-              <a:rPr lang="en-US" dirty="0"/>
-              <a:t>[2] Visualize the BOM as a tree; Support filtering by the User BOMs, System BOMs, All BOMs. Support Color/No Color options.</a:t>
-            </a:r>
-          </a:p>
-          <a:p>
-            <a:r>
-              <a:rPr lang="en-US" dirty="0"/>
-              <a:t>[3] Enable admins to import the BOMs (one at a time). Support the mapping between a CSV file columns and the database columns</a:t>
-            </a:r>
-          </a:p>
-          <a:p>
-            <a:r>
-              <a:rPr lang="en-US" dirty="0"/>
-              <a:t>[4] Enable the admins to specify the system BOMs (a set of BOMs which are of interest to all users; Stored in the Preferences table; )</a:t>
-            </a:r>
-          </a:p>
-          <a:p>
-            <a:r>
-              <a:rPr lang="en-US" dirty="0"/>
-              <a:t>[5] Enable the admins to specify the user BOMs (a set of BOMs which are of interest to the users; Stored in COOKIE; Each user will see different visualization)</a:t>
-            </a:r>
-          </a:p>
-          <a:p>
-            <a:r>
-              <a:rPr lang="en-US" dirty="0"/>
-              <a:t>[6] Reporting (TBD): Support summary reports and visual dashboards based on the metadata of </a:t>
-            </a:r>
-            <a:r>
-              <a:rPr lang="en-US" dirty="0" err="1"/>
-              <a:t>bom</a:t>
-            </a:r>
-            <a:r>
-              <a:rPr lang="en-US" dirty="0"/>
-              <a:t> data.</a:t>
-            </a:r>
-          </a:p>
-          <a:p>
-            <a:endParaRPr lang="en-US" dirty="0"/>
-          </a:p>
-        </p:txBody>
-      </p:sp>
-      <p:sp>
-        <p:nvSpPr>
-          <p:cNvPr id="6" name="TextBox 5">
-            <a:extLst>
-              <a:ext uri="{FF2B5EF4-FFF2-40B4-BE49-F238E27FC236}">
-                <a16:creationId xmlns:a16="http://schemas.microsoft.com/office/drawing/2014/main" id="{4BACBC6E-5C3D-4F07-8F60-0EB8C154541A}"/>
-              </a:ext>
-            </a:extLst>
-          </p:cNvPr>
-          <p:cNvSpPr txBox="1"/>
-          <p:nvPr/>
-        </p:nvSpPr>
-        <p:spPr>
-          <a:xfrm>
-            <a:off x="338665" y="101355"/>
-            <a:ext cx="11290117" cy="584775"/>
-          </a:xfrm>
-          <a:prstGeom prst="rect">
-            <a:avLst/>
-          </a:prstGeom>
-          <a:noFill/>
-        </p:spPr>
-        <p:txBody>
-          <a:bodyPr wrap="square">
-            <a:spAutoFit/>
-          </a:bodyPr>
-          <a:lstStyle/>
-          <a:p>
+              <a:rPr lang="en-US" sz="3200" b="1" dirty="0" err="1">
+                <a:solidFill>
+                  <a:srgbClr val="00B050"/>
+                </a:solidFill>
+              </a:rPr>
+              <a:t>sbom</a:t>
+            </a:r>
             <a:r>
               <a:rPr lang="en-US" sz="3200" b="1" dirty="0">
                 <a:solidFill>
                   <a:srgbClr val="00B050"/>
                 </a:solidFill>
               </a:rPr>
-              <a:t>Requirements and Use Cases:</a:t>
+              <a:t> table (earlier project) </a:t>
+            </a:r>
+          </a:p>
+          <a:p>
+            <a:endParaRPr lang="en-US" sz="3200" b="1" dirty="0">
+              <a:solidFill>
+                <a:srgbClr val="00B050"/>
+              </a:solidFill>
+            </a:endParaRPr>
+          </a:p>
+          <a:p>
+            <a:r>
+              <a:rPr lang="en-US" sz="3200" b="1" dirty="0">
+                <a:solidFill>
+                  <a:srgbClr val="00B050"/>
+                </a:solidFill>
+              </a:rPr>
+              <a:t>do not use this.</a:t>
             </a:r>
           </a:p>
         </p:txBody>
       </p:sp>
+      <p:sp>
+        <p:nvSpPr>
+          <p:cNvPr id="2" name="TextBox 1">
+            <a:extLst>
+              <a:ext uri="{FF2B5EF4-FFF2-40B4-BE49-F238E27FC236}">
+                <a16:creationId xmlns:a16="http://schemas.microsoft.com/office/drawing/2014/main" id="{C7439FCE-81A7-40C8-A4FA-127BFF8BB35B}"/>
+              </a:ext>
+            </a:extLst>
+          </p:cNvPr>
+          <p:cNvSpPr txBox="1"/>
+          <p:nvPr/>
+        </p:nvSpPr>
+        <p:spPr>
+          <a:xfrm>
+            <a:off x="477078" y="1729409"/>
+            <a:ext cx="184731" cy="369332"/>
+          </a:xfrm>
+          <a:prstGeom prst="rect">
+            <a:avLst/>
+          </a:prstGeom>
+          <a:noFill/>
+        </p:spPr>
+        <p:txBody>
+          <a:bodyPr wrap="none" rtlCol="0">
+            <a:spAutoFit/>
+          </a:bodyPr>
+          <a:lstStyle/>
+          <a:p>
+            <a:endParaRPr lang="en-US" dirty="0"/>
+          </a:p>
+        </p:txBody>
+      </p:sp>
+      <p:pic>
+        <p:nvPicPr>
+          <p:cNvPr id="5" name="Picture 4">
+            <a:extLst>
+              <a:ext uri="{FF2B5EF4-FFF2-40B4-BE49-F238E27FC236}">
+                <a16:creationId xmlns:a16="http://schemas.microsoft.com/office/drawing/2014/main" id="{0E5CA80B-9245-4F2F-8ADE-D345D78EF4F8}"/>
+              </a:ext>
+            </a:extLst>
+          </p:cNvPr>
+          <p:cNvPicPr>
+            <a:picLocks noChangeAspect="1"/>
+          </p:cNvPicPr>
+          <p:nvPr/>
+        </p:nvPicPr>
+        <p:blipFill>
+          <a:blip r:embed="rId2"/>
+          <a:stretch>
+            <a:fillRect/>
+          </a:stretch>
+        </p:blipFill>
+        <p:spPr>
+          <a:xfrm>
+            <a:off x="6272984" y="191658"/>
+            <a:ext cx="5610225" cy="6276975"/>
+          </a:xfrm>
+          <a:prstGeom prst="rect">
+            <a:avLst/>
+          </a:prstGeom>
+        </p:spPr>
+      </p:pic>
     </p:spTree>
     <p:extLst>
       <p:ext uri="{BB962C8B-B14F-4D97-AF65-F5344CB8AC3E}">
-        <p14:creationId xmlns:p14="http://schemas.microsoft.com/office/powerpoint/2010/main" val="4105335929"/>
+        <p14:creationId xmlns:p14="http://schemas.microsoft.com/office/powerpoint/2010/main" val="1444443572"/>
       </p:ext>
     </p:extLst>
   </p:cSld>
@@ -4102,10 +4363,10 @@
       </p:sp>
       <p:sp>
         <p:nvSpPr>
-          <p:cNvPr id="6" name="TextBox 5">
-            <a:extLst>
-              <a:ext uri="{FF2B5EF4-FFF2-40B4-BE49-F238E27FC236}">
-                <a16:creationId xmlns:a16="http://schemas.microsoft.com/office/drawing/2014/main" id="{4BACBC6E-5C3D-4F07-8F60-0EB8C154541A}"/>
+          <p:cNvPr id="5" name="TextBox 4">
+            <a:extLst>
+              <a:ext uri="{FF2B5EF4-FFF2-40B4-BE49-F238E27FC236}">
+                <a16:creationId xmlns:a16="http://schemas.microsoft.com/office/drawing/2014/main" id="{C7077660-74C0-4DBB-8DC2-279AFAEC97A8}"/>
               </a:ext>
             </a:extLst>
           </p:cNvPr>
@@ -4114,8 +4375,8 @@
         </p:nvSpPr>
         <p:spPr>
           <a:xfrm>
-            <a:off x="338665" y="101355"/>
-            <a:ext cx="11290117" cy="584775"/>
+            <a:off x="338665" y="914256"/>
+            <a:ext cx="11064449" cy="3416320"/>
           </a:xfrm>
           <a:prstGeom prst="rect">
             <a:avLst/>
@@ -4129,146 +4390,96 @@
           <a:lstStyle/>
           <a:p>
             <a:r>
+              <a:rPr lang="en-US" dirty="0"/>
+              <a:t>[1] Visualize the BOM as a flat list; Support filtering, sorting, searching, pagination, export (csv, excel, pdf) options using JQUERY Data table. Support filtering by the User BOMs, System BOMs, All BOMs.</a:t>
+            </a:r>
+          </a:p>
+          <a:p>
+            <a:r>
+              <a:rPr lang="en-US" dirty="0"/>
+              <a:t>[2] Visualize the BOM as a tree; Support filtering by the User BOMs, System BOMs, All BOMs. Support Color/No Color options.</a:t>
+            </a:r>
+          </a:p>
+          <a:p>
+            <a:r>
+              <a:rPr lang="en-US" dirty="0"/>
+              <a:t>[3] Enable admins to import the BOMs (one at a time). Support the mapping between a CSV file columns and the database columns</a:t>
+            </a:r>
+          </a:p>
+          <a:p>
+            <a:r>
+              <a:rPr lang="en-US" dirty="0"/>
+              <a:t>[4] Enable the admins to specify the system BOMs (a set of BOMs which are of interest to all users; Stored in the Preferences table; )</a:t>
+            </a:r>
+          </a:p>
+          <a:p>
+            <a:r>
+              <a:rPr lang="en-US" dirty="0"/>
+              <a:t>[5] Enable the admins to specify the user BOMs (a set of BOMs which are of interest to the users; Stored in COOKIE; Each user will see different visualization)</a:t>
+            </a:r>
+          </a:p>
+          <a:p>
+            <a:r>
+              <a:rPr lang="en-US" dirty="0"/>
+              <a:t>[6] Reporting (TBD): Support summary reports and visual dashboards based on the metadata of </a:t>
+            </a:r>
+            <a:r>
+              <a:rPr lang="en-US" dirty="0" err="1"/>
+              <a:t>bom</a:t>
+            </a:r>
+            <a:r>
+              <a:rPr lang="en-US" dirty="0"/>
+              <a:t> data.</a:t>
+            </a:r>
+          </a:p>
+          <a:p>
+            <a:endParaRPr lang="en-US" dirty="0"/>
+          </a:p>
+        </p:txBody>
+      </p:sp>
+      <p:sp>
+        <p:nvSpPr>
+          <p:cNvPr id="6" name="TextBox 5">
+            <a:extLst>
+              <a:ext uri="{FF2B5EF4-FFF2-40B4-BE49-F238E27FC236}">
+                <a16:creationId xmlns:a16="http://schemas.microsoft.com/office/drawing/2014/main" id="{4BACBC6E-5C3D-4F07-8F60-0EB8C154541A}"/>
+              </a:ext>
+            </a:extLst>
+          </p:cNvPr>
+          <p:cNvSpPr txBox="1"/>
+          <p:nvPr/>
+        </p:nvSpPr>
+        <p:spPr>
+          <a:xfrm>
+            <a:off x="338665" y="101355"/>
+            <a:ext cx="11290117" cy="584775"/>
+          </a:xfrm>
+          <a:prstGeom prst="rect">
+            <a:avLst/>
+          </a:prstGeom>
+          <a:noFill/>
+        </p:spPr>
+        <p:txBody>
+          <a:bodyPr wrap="square">
+            <a:spAutoFit/>
+          </a:bodyPr>
+          <a:lstStyle/>
+          <a:p>
+            <a:r>
               <a:rPr lang="en-US" sz="3200" b="1" dirty="0">
                 <a:solidFill>
                   <a:srgbClr val="00B050"/>
                 </a:solidFill>
               </a:rPr>
-              <a:t>Importing a BOM</a:t>
-            </a:r>
-          </a:p>
-        </p:txBody>
-      </p:sp>
-      <p:pic>
-        <p:nvPicPr>
-          <p:cNvPr id="3" name="Picture 2">
-            <a:extLst>
-              <a:ext uri="{FF2B5EF4-FFF2-40B4-BE49-F238E27FC236}">
-                <a16:creationId xmlns:a16="http://schemas.microsoft.com/office/drawing/2014/main" id="{6F093934-D9F2-46AD-9936-E3281D5EB7D6}"/>
-              </a:ext>
-            </a:extLst>
-          </p:cNvPr>
-          <p:cNvPicPr>
-            <a:picLocks noChangeAspect="1"/>
-          </p:cNvPicPr>
-          <p:nvPr/>
-        </p:nvPicPr>
-        <p:blipFill>
-          <a:blip r:embed="rId2"/>
-          <a:stretch>
-            <a:fillRect/>
-          </a:stretch>
-        </p:blipFill>
-        <p:spPr>
-          <a:xfrm>
-            <a:off x="338665" y="1859151"/>
-            <a:ext cx="10719963" cy="4248363"/>
-          </a:xfrm>
-          <a:prstGeom prst="rect">
-            <a:avLst/>
-          </a:prstGeom>
-        </p:spPr>
-      </p:pic>
-      <p:sp>
-        <p:nvSpPr>
-          <p:cNvPr id="7" name="TextBox 6">
-            <a:extLst>
-              <a:ext uri="{FF2B5EF4-FFF2-40B4-BE49-F238E27FC236}">
-                <a16:creationId xmlns:a16="http://schemas.microsoft.com/office/drawing/2014/main" id="{7D70983A-FB46-4616-90F4-FCF0B28E7E45}"/>
-              </a:ext>
-            </a:extLst>
-          </p:cNvPr>
-          <p:cNvSpPr txBox="1"/>
-          <p:nvPr/>
-        </p:nvSpPr>
-        <p:spPr>
-          <a:xfrm>
-            <a:off x="466928" y="941364"/>
-            <a:ext cx="8571064" cy="369332"/>
-          </a:xfrm>
-          <a:prstGeom prst="rect">
-            <a:avLst/>
-          </a:prstGeom>
-          <a:noFill/>
-        </p:spPr>
-        <p:txBody>
-          <a:bodyPr wrap="none" rtlCol="0">
-            <a:spAutoFit/>
-          </a:bodyPr>
-          <a:lstStyle/>
-          <a:p>
-            <a:r>
-              <a:rPr lang="en-US" dirty="0"/>
-              <a:t>Only admins can login.  See the users in “users” table. Use the password “12345” to login. </a:t>
-            </a:r>
-          </a:p>
-        </p:txBody>
-      </p:sp>
-      <p:sp>
-        <p:nvSpPr>
-          <p:cNvPr id="8" name="TextBox 7">
-            <a:extLst>
-              <a:ext uri="{FF2B5EF4-FFF2-40B4-BE49-F238E27FC236}">
-                <a16:creationId xmlns:a16="http://schemas.microsoft.com/office/drawing/2014/main" id="{D9E47888-C8CE-4AC8-8CC6-D8C5DFA40833}"/>
-              </a:ext>
-            </a:extLst>
-          </p:cNvPr>
-          <p:cNvSpPr txBox="1"/>
-          <p:nvPr/>
-        </p:nvSpPr>
-        <p:spPr>
-          <a:xfrm>
-            <a:off x="2234120" y="4747794"/>
-            <a:ext cx="9619215" cy="1754326"/>
-          </a:xfrm>
-          <a:prstGeom prst="rect">
-            <a:avLst/>
-          </a:prstGeom>
-          <a:noFill/>
-        </p:spPr>
-        <p:txBody>
-          <a:bodyPr wrap="square" rtlCol="0">
-            <a:spAutoFit/>
-          </a:bodyPr>
-          <a:lstStyle/>
-          <a:p>
-            <a:r>
-              <a:rPr lang="en-US" dirty="0"/>
-              <a:t>I added another “Import BOM” button to support the new schema </a:t>
-            </a:r>
-          </a:p>
-          <a:p>
-            <a:r>
-              <a:rPr lang="en-US" dirty="0"/>
-              <a:t>and to support “cumulative” BOM import. It points to the file “admin_import_bom_2.php”. This is the file you would be fixing/enhancing.</a:t>
-            </a:r>
-          </a:p>
-          <a:p>
-            <a:endParaRPr lang="en-US" dirty="0"/>
-          </a:p>
-          <a:p>
-            <a:r>
-              <a:rPr lang="en-US" dirty="0"/>
-              <a:t>I left the V.1.0 “Import BOM” for reference purposes. It points to the file “</a:t>
-            </a:r>
-            <a:r>
-              <a:rPr lang="en-US" dirty="0" err="1"/>
-              <a:t>admin_import_bom.php</a:t>
-            </a:r>
-            <a:r>
-              <a:rPr lang="en-US" dirty="0"/>
-              <a:t>”</a:t>
-            </a:r>
-          </a:p>
-          <a:p>
-            <a:endParaRPr lang="en-US" dirty="0"/>
+              <a:t>Requirements and Use Cases:</a:t>
+            </a:r>
           </a:p>
         </p:txBody>
       </p:sp>
     </p:spTree>
     <p:extLst>
       <p:ext uri="{BB962C8B-B14F-4D97-AF65-F5344CB8AC3E}">
-        <p14:creationId xmlns:p14="http://schemas.microsoft.com/office/powerpoint/2010/main" val="2288946643"/>
+        <p14:creationId xmlns:p14="http://schemas.microsoft.com/office/powerpoint/2010/main" val="4105335929"/>
       </p:ext>
     </p:extLst>
   </p:cSld>
